--- a/2dengine.pptx
+++ b/2dengine.pptx
@@ -6376,10 +6376,13 @@
               <a:t>This can be found in the world created by You (textures 80*80 </a:t>
             </a:r>
             <a:r>
-              <a:rPr lang="en-US" smtClean="0"/>
-              <a:t>px).</a:t>
-            </a:r>
-            <a:endParaRPr lang="en-US" dirty="0" smtClean="0"/>
+              <a:rPr lang="en-US" dirty="0" err="1" smtClean="0"/>
+              <a:t>px</a:t>
+            </a:r>
+            <a:r>
+              <a:rPr lang="en-US" dirty="0" smtClean="0"/>
+              <a:t>).</a:t>
+            </a:r>
           </a:p>
           <a:p>
             <a:r>
